--- a/Theorie/Cours1/Théorie 1- Les dessins 2D - Partie 1.pptx
+++ b/Theorie/Cours1/Théorie 1- Les dessins 2D - Partie 1.pptx
@@ -20329,7 +20329,7 @@
         </p:nvSpPr>
         <p:spPr bwMode="auto">
           <a:xfrm>
-            <a:off x="755576" y="1484784"/>
+            <a:off x="719572" y="1533725"/>
             <a:ext cx="7416824" cy="2412968"/>
           </a:xfrm>
           <a:prstGeom prst="rect">
